--- a/Agile Business Analysis/04-Requirements aka Stories.pptx
+++ b/Agile Business Analysis/04-Requirements aka Stories.pptx
@@ -441,7 +441,7 @@
             <a:fld id="{3645A85B-5EE2-224D-892B-EBDEE738041D}" type="datetime1">
               <a:rPr lang="en-US"/>
               <a:pPr/>
-              <a:t>10/5/15</a:t>
+              <a:t>12/21/15</a:t>
             </a:fld>
             <a:endParaRPr lang="en-US"/>
           </a:p>
@@ -684,7 +684,7 @@
             <a:fld id="{357A0049-9727-1C49-9F90-B954D42273FA}" type="datetime1">
               <a:rPr lang="en-US"/>
               <a:pPr/>
-              <a:t>10/5/15</a:t>
+              <a:t>12/21/15</a:t>
             </a:fld>
             <a:endParaRPr lang="en-US"/>
           </a:p>
@@ -1612,7 +1612,9 @@
           <a:ln/>
         </p:spPr>
         <p:txBody>
-          <a:bodyPr/>
+          <a:bodyPr>
+            <a:normAutofit fontScale="77500" lnSpcReduction="20000"/>
+          </a:bodyPr>
           <a:lstStyle/>
           <a:p>
             <a:pPr eaLnBrk="1" hangingPunct="1">
@@ -1948,7 +1950,9 @@
           <a:ln/>
         </p:spPr>
         <p:txBody>
-          <a:bodyPr/>
+          <a:bodyPr>
+            <a:normAutofit fontScale="70000" lnSpcReduction="20000"/>
+          </a:bodyPr>
           <a:lstStyle/>
           <a:p>
             <a:pPr eaLnBrk="1" hangingPunct="1"/>
@@ -2341,7 +2345,9 @@
           <a:ln/>
         </p:spPr>
         <p:txBody>
-          <a:bodyPr/>
+          <a:bodyPr>
+            <a:normAutofit fontScale="62500" lnSpcReduction="20000"/>
+          </a:bodyPr>
           <a:lstStyle/>
           <a:p>
             <a:r>
@@ -2815,7 +2821,9 @@
           <a:ln/>
         </p:spPr>
         <p:txBody>
-          <a:bodyPr/>
+          <a:bodyPr>
+            <a:normAutofit fontScale="85000" lnSpcReduction="20000"/>
+          </a:bodyPr>
           <a:lstStyle/>
           <a:p>
             <a:pPr eaLnBrk="1" hangingPunct="1">
@@ -3131,7 +3139,9 @@
           <a:ln/>
         </p:spPr>
         <p:txBody>
-          <a:bodyPr/>
+          <a:bodyPr>
+            <a:normAutofit fontScale="77500" lnSpcReduction="20000"/>
+          </a:bodyPr>
           <a:lstStyle/>
           <a:p>
             <a:pPr eaLnBrk="1" hangingPunct="1"/>
@@ -4218,14 +4228,14 @@
           <a:ln/>
           <a:extLst>
             <a:ext uri="{909E8E84-426E-40dd-AFC4-6F175D3DCCD1}">
-              <a14:hiddenFill xmlns:a14="http://schemas.microsoft.com/office/drawing/2010/main" xmlns="">
+              <a14:hiddenFill xmlns="" xmlns:a14="http://schemas.microsoft.com/office/drawing/2010/main">
                 <a:solidFill>
                   <a:srgbClr val="FFFFFF"/>
                 </a:solidFill>
               </a14:hiddenFill>
             </a:ext>
             <a:ext uri="{91240B29-F687-4f45-9708-019B960494DF}">
-              <a14:hiddenLine xmlns:a14="http://schemas.microsoft.com/office/drawing/2010/main" xmlns="" w="9525">
+              <a14:hiddenLine xmlns="" xmlns:a14="http://schemas.microsoft.com/office/drawing/2010/main" w="9525">
                 <a:solidFill>
                   <a:srgbClr val="000000"/>
                 </a:solidFill>
@@ -4235,7 +4245,7 @@
               </a14:hiddenLine>
             </a:ext>
             <a:ext uri="{AF507438-7753-43e0-B8FC-AC1667EBCBE1}">
-              <a14:hiddenEffects xmlns:a14="http://schemas.microsoft.com/office/drawing/2010/main" xmlns="">
+              <a14:hiddenEffects xmlns="" xmlns:a14="http://schemas.microsoft.com/office/drawing/2010/main">
                 <a:effectLst>
                   <a:outerShdw blurRad="63500" dist="38099" dir="2700000" algn="ctr" rotWithShape="0">
                     <a:srgbClr val="000000">
@@ -4246,7 +4256,7 @@
               </a14:hiddenEffects>
             </a:ext>
             <a:ext uri="{53640926-AAD7-44d8-BBD7-CCE9431645EC}">
-              <a14:shadowObscured xmlns:a14="http://schemas.microsoft.com/office/drawing/2010/main" xmlns="" val="1"/>
+              <a14:shadowObscured xmlns="" xmlns:a14="http://schemas.microsoft.com/office/drawing/2010/main" val="1"/>
             </a:ext>
           </a:extLst>
         </p:spPr>
@@ -4254,76 +4264,7 @@
           <a:bodyPr/>
           <a:lstStyle/>
           <a:p>
-            <a:r>
-              <a:rPr lang="en-US" b="1" dirty="0" smtClean="0">
-                <a:solidFill>
-                  <a:srgbClr val="000000"/>
-                </a:solidFill>
-                <a:latin typeface="Trebuchet MS" charset="0"/>
-                <a:cs typeface="Trebuchet MS" charset="0"/>
-                <a:sym typeface="Trebuchet MS" charset="0"/>
-              </a:rPr>
-              <a:t>To Do:</a:t>
-            </a:r>
-            <a:r>
-              <a:rPr lang="en-US" b="1" baseline="0" dirty="0" smtClean="0">
-                <a:solidFill>
-                  <a:srgbClr val="000000"/>
-                </a:solidFill>
-                <a:latin typeface="Trebuchet MS" charset="0"/>
-                <a:cs typeface="Trebuchet MS" charset="0"/>
-                <a:sym typeface="Trebuchet MS" charset="0"/>
-              </a:rPr>
-              <a:t> Clean up, make better, show different levels</a:t>
-            </a:r>
-          </a:p>
-          <a:p>
             <a:endParaRPr lang="en-US" b="1" baseline="0" dirty="0" smtClean="0">
-              <a:solidFill>
-                <a:srgbClr val="000000"/>
-              </a:solidFill>
-              <a:latin typeface="Trebuchet MS" charset="0"/>
-              <a:cs typeface="Trebuchet MS" charset="0"/>
-              <a:sym typeface="Trebuchet MS" charset="0"/>
-            </a:endParaRPr>
-          </a:p>
-          <a:p>
-            <a:r>
-              <a:rPr lang="en-US" b="1" dirty="0" smtClean="0">
-                <a:solidFill>
-                  <a:srgbClr val="000000"/>
-                </a:solidFill>
-                <a:latin typeface="Trebuchet MS" charset="0"/>
-                <a:cs typeface="Trebuchet MS" charset="0"/>
-                <a:sym typeface="Trebuchet MS" charset="0"/>
-              </a:rPr>
-              <a:t>We need to come to terms with the right</a:t>
-            </a:r>
-            <a:r>
-              <a:rPr lang="en-US" b="1" baseline="0" dirty="0" smtClean="0">
-                <a:solidFill>
-                  <a:srgbClr val="000000"/>
-                </a:solidFill>
-                <a:latin typeface="Trebuchet MS" charset="0"/>
-                <a:cs typeface="Trebuchet MS" charset="0"/>
-                <a:sym typeface="Trebuchet MS" charset="0"/>
-              </a:rPr>
-              <a:t> size for Stories.  </a:t>
-            </a:r>
-          </a:p>
-          <a:p>
-            <a:r>
-              <a:rPr lang="en-US" b="1" baseline="0" dirty="0" smtClean="0">
-                <a:solidFill>
-                  <a:srgbClr val="000000"/>
-                </a:solidFill>
-                <a:latin typeface="Trebuchet MS" charset="0"/>
-                <a:cs typeface="Trebuchet MS" charset="0"/>
-                <a:sym typeface="Trebuchet MS" charset="0"/>
-              </a:rPr>
-              <a:t>Stories, whether in MSL for Release Planning or for Iterations, should be small enough to fit into an Iteration.  Right?</a:t>
-            </a:r>
-            <a:endParaRPr lang="en-US" b="1" dirty="0">
               <a:solidFill>
                 <a:srgbClr val="000000"/>
               </a:solidFill>
@@ -4487,7 +4428,7 @@
         <p:spPr/>
         <p:txBody>
           <a:bodyPr>
-            <a:normAutofit fontScale="70000" lnSpcReduction="20000"/>
+            <a:normAutofit/>
           </a:bodyPr>
           <a:lstStyle/>
           <a:p>
@@ -4588,7 +4529,9 @@
           <a:ln/>
         </p:spPr>
         <p:txBody>
-          <a:bodyPr/>
+          <a:bodyPr>
+            <a:normAutofit fontScale="77500" lnSpcReduction="20000"/>
+          </a:bodyPr>
           <a:lstStyle/>
           <a:p>
             <a:pPr>
@@ -5470,7 +5413,7 @@
         <p:spPr/>
         <p:txBody>
           <a:bodyPr>
-            <a:normAutofit fontScale="70000" lnSpcReduction="20000"/>
+            <a:normAutofit/>
           </a:bodyPr>
           <a:lstStyle/>
           <a:p>
@@ -7119,7 +7062,7 @@
         <p:spPr/>
         <p:txBody>
           <a:bodyPr>
-            <a:normAutofit fontScale="70000" lnSpcReduction="20000"/>
+            <a:normAutofit/>
           </a:bodyPr>
           <a:lstStyle/>
           <a:p>
@@ -12229,14 +12172,14 @@
           </a:ln>
           <a:extLst>
             <a:ext uri="{909E8E84-426E-40dd-AFC4-6F175D3DCCD1}">
-              <a14:hiddenFill xmlns:a14="http://schemas.microsoft.com/office/drawing/2010/main" xmlns="">
+              <a14:hiddenFill xmlns="" xmlns:a14="http://schemas.microsoft.com/office/drawing/2010/main">
                 <a:solidFill>
                   <a:srgbClr val="FFFFFF"/>
                 </a:solidFill>
               </a14:hiddenFill>
             </a:ext>
             <a:ext uri="{91240B29-F687-4f45-9708-019B960494DF}">
-              <a14:hiddenLine xmlns:a14="http://schemas.microsoft.com/office/drawing/2010/main" xmlns="" w="9525">
+              <a14:hiddenLine xmlns="" xmlns:a14="http://schemas.microsoft.com/office/drawing/2010/main" w="9525">
                 <a:solidFill>
                   <a:srgbClr val="000000"/>
                 </a:solidFill>
@@ -16097,7 +16040,7 @@
           <a:effectLst/>
           <a:extLst>
             <a:ext uri="{AF507438-7753-43e0-B8FC-AC1667EBCBE1}">
-              <a14:hiddenEffects xmlns:a14="http://schemas.microsoft.com/office/drawing/2010/main" xmlns="">
+              <a14:hiddenEffects xmlns="" xmlns:a14="http://schemas.microsoft.com/office/drawing/2010/main">
                 <a:effectLst>
                   <a:outerShdw blurRad="63500" dist="38099" dir="2700000" algn="ctr" rotWithShape="0">
                     <a:srgbClr val="000000">
@@ -16214,7 +16157,7 @@
           <a:effectLst/>
           <a:extLst>
             <a:ext uri="{AF507438-7753-43e0-B8FC-AC1667EBCBE1}">
-              <a14:hiddenEffects xmlns:a14="http://schemas.microsoft.com/office/drawing/2010/main" xmlns="">
+              <a14:hiddenEffects xmlns="" xmlns:a14="http://schemas.microsoft.com/office/drawing/2010/main">
                 <a:effectLst>
                   <a:outerShdw blurRad="63500" dist="38099" dir="2700000" algn="ctr" rotWithShape="0">
                     <a:srgbClr val="000000">
@@ -17091,14 +17034,14 @@
             </a:ln>
             <a:extLst>
               <a:ext uri="{909E8E84-426E-40dd-AFC4-6F175D3DCCD1}">
-                <a14:hiddenFill xmlns:a14="http://schemas.microsoft.com/office/drawing/2010/main" xmlns="">
+                <a14:hiddenFill xmlns="" xmlns:a14="http://schemas.microsoft.com/office/drawing/2010/main">
                   <a:solidFill>
                     <a:srgbClr val="FFFFFF"/>
                   </a:solidFill>
                 </a14:hiddenFill>
               </a:ext>
               <a:ext uri="{91240B29-F687-4f45-9708-019B960494DF}">
-                <a14:hiddenLine xmlns:a14="http://schemas.microsoft.com/office/drawing/2010/main" xmlns="" w="12700" cap="flat">
+                <a14:hiddenLine xmlns="" xmlns:a14="http://schemas.microsoft.com/office/drawing/2010/main" w="12700" cap="flat">
                   <a:solidFill>
                     <a:schemeClr val="tx1"/>
                   </a:solidFill>
@@ -17223,14 +17166,14 @@
             </a:ln>
             <a:extLst>
               <a:ext uri="{909E8E84-426E-40dd-AFC4-6F175D3DCCD1}">
-                <a14:hiddenFill xmlns:a14="http://schemas.microsoft.com/office/drawing/2010/main" xmlns="">
+                <a14:hiddenFill xmlns="" xmlns:a14="http://schemas.microsoft.com/office/drawing/2010/main">
                   <a:solidFill>
                     <a:srgbClr val="FFFFFF"/>
                   </a:solidFill>
                 </a14:hiddenFill>
               </a:ext>
               <a:ext uri="{91240B29-F687-4f45-9708-019B960494DF}">
-                <a14:hiddenLine xmlns:a14="http://schemas.microsoft.com/office/drawing/2010/main" xmlns="" w="12700" cap="flat">
+                <a14:hiddenLine xmlns="" xmlns:a14="http://schemas.microsoft.com/office/drawing/2010/main" w="12700" cap="flat">
                   <a:solidFill>
                     <a:schemeClr val="tx1"/>
                   </a:solidFill>
@@ -17355,14 +17298,14 @@
             </a:ln>
             <a:extLst>
               <a:ext uri="{909E8E84-426E-40dd-AFC4-6F175D3DCCD1}">
-                <a14:hiddenFill xmlns:a14="http://schemas.microsoft.com/office/drawing/2010/main" xmlns="">
+                <a14:hiddenFill xmlns="" xmlns:a14="http://schemas.microsoft.com/office/drawing/2010/main">
                   <a:solidFill>
                     <a:srgbClr val="FFFFFF"/>
                   </a:solidFill>
                 </a14:hiddenFill>
               </a:ext>
               <a:ext uri="{91240B29-F687-4f45-9708-019B960494DF}">
-                <a14:hiddenLine xmlns:a14="http://schemas.microsoft.com/office/drawing/2010/main" xmlns="" w="12700" cap="flat">
+                <a14:hiddenLine xmlns="" xmlns:a14="http://schemas.microsoft.com/office/drawing/2010/main" w="12700" cap="flat">
                   <a:solidFill>
                     <a:schemeClr val="tx1"/>
                   </a:solidFill>
@@ -17487,14 +17430,14 @@
             </a:ln>
             <a:extLst>
               <a:ext uri="{909E8E84-426E-40dd-AFC4-6F175D3DCCD1}">
-                <a14:hiddenFill xmlns:a14="http://schemas.microsoft.com/office/drawing/2010/main" xmlns="">
+                <a14:hiddenFill xmlns="" xmlns:a14="http://schemas.microsoft.com/office/drawing/2010/main">
                   <a:solidFill>
                     <a:srgbClr val="FFFFFF"/>
                   </a:solidFill>
                 </a14:hiddenFill>
               </a:ext>
               <a:ext uri="{91240B29-F687-4f45-9708-019B960494DF}">
-                <a14:hiddenLine xmlns:a14="http://schemas.microsoft.com/office/drawing/2010/main" xmlns="" w="12700" cap="flat">
+                <a14:hiddenLine xmlns="" xmlns:a14="http://schemas.microsoft.com/office/drawing/2010/main" w="12700" cap="flat">
                   <a:solidFill>
                     <a:schemeClr val="tx1"/>
                   </a:solidFill>
@@ -17636,14 +17579,14 @@
             </a:ln>
             <a:extLst>
               <a:ext uri="{909E8E84-426E-40dd-AFC4-6F175D3DCCD1}">
-                <a14:hiddenFill xmlns:a14="http://schemas.microsoft.com/office/drawing/2010/main" xmlns="">
+                <a14:hiddenFill xmlns="" xmlns:a14="http://schemas.microsoft.com/office/drawing/2010/main">
                   <a:solidFill>
                     <a:srgbClr val="FFFFFF"/>
                   </a:solidFill>
                 </a14:hiddenFill>
               </a:ext>
               <a:ext uri="{91240B29-F687-4f45-9708-019B960494DF}">
-                <a14:hiddenLine xmlns:a14="http://schemas.microsoft.com/office/drawing/2010/main" xmlns="" w="12700" cap="flat">
+                <a14:hiddenLine xmlns="" xmlns:a14="http://schemas.microsoft.com/office/drawing/2010/main" w="12700" cap="flat">
                   <a:solidFill>
                     <a:schemeClr val="tx1"/>
                   </a:solidFill>
@@ -17768,14 +17711,14 @@
             </a:ln>
             <a:extLst>
               <a:ext uri="{909E8E84-426E-40dd-AFC4-6F175D3DCCD1}">
-                <a14:hiddenFill xmlns:a14="http://schemas.microsoft.com/office/drawing/2010/main" xmlns="">
+                <a14:hiddenFill xmlns="" xmlns:a14="http://schemas.microsoft.com/office/drawing/2010/main">
                   <a:solidFill>
                     <a:srgbClr val="FFFFFF"/>
                   </a:solidFill>
                 </a14:hiddenFill>
               </a:ext>
               <a:ext uri="{91240B29-F687-4f45-9708-019B960494DF}">
-                <a14:hiddenLine xmlns:a14="http://schemas.microsoft.com/office/drawing/2010/main" xmlns="" w="12700" cap="flat">
+                <a14:hiddenLine xmlns="" xmlns:a14="http://schemas.microsoft.com/office/drawing/2010/main" w="12700" cap="flat">
                   <a:solidFill>
                     <a:schemeClr val="tx1"/>
                   </a:solidFill>
@@ -17900,14 +17843,14 @@
             </a:ln>
             <a:extLst>
               <a:ext uri="{909E8E84-426E-40dd-AFC4-6F175D3DCCD1}">
-                <a14:hiddenFill xmlns:a14="http://schemas.microsoft.com/office/drawing/2010/main" xmlns="">
+                <a14:hiddenFill xmlns="" xmlns:a14="http://schemas.microsoft.com/office/drawing/2010/main">
                   <a:solidFill>
                     <a:srgbClr val="FFFFFF"/>
                   </a:solidFill>
                 </a14:hiddenFill>
               </a:ext>
               <a:ext uri="{91240B29-F687-4f45-9708-019B960494DF}">
-                <a14:hiddenLine xmlns:a14="http://schemas.microsoft.com/office/drawing/2010/main" xmlns="" w="12700" cap="flat">
+                <a14:hiddenLine xmlns="" xmlns:a14="http://schemas.microsoft.com/office/drawing/2010/main" w="12700" cap="flat">
                   <a:solidFill>
                     <a:schemeClr val="tx1"/>
                   </a:solidFill>
@@ -17991,14 +17934,14 @@
           </a:ln>
           <a:extLst>
             <a:ext uri="{909E8E84-426E-40dd-AFC4-6F175D3DCCD1}">
-              <a14:hiddenFill xmlns:a14="http://schemas.microsoft.com/office/drawing/2010/main" xmlns="">
+              <a14:hiddenFill xmlns="" xmlns:a14="http://schemas.microsoft.com/office/drawing/2010/main">
                 <a:solidFill>
                   <a:srgbClr val="FFFFFF"/>
                 </a:solidFill>
               </a14:hiddenFill>
             </a:ext>
             <a:ext uri="{91240B29-F687-4f45-9708-019B960494DF}">
-              <a14:hiddenLine xmlns:a14="http://schemas.microsoft.com/office/drawing/2010/main" xmlns="" w="12700" cap="flat">
+              <a14:hiddenLine xmlns="" xmlns:a14="http://schemas.microsoft.com/office/drawing/2010/main" w="12700" cap="flat">
                 <a:solidFill>
                   <a:schemeClr val="tx1"/>
                 </a:solidFill>
@@ -18110,14 +18053,14 @@
             </a:ln>
             <a:extLst>
               <a:ext uri="{909E8E84-426E-40dd-AFC4-6F175D3DCCD1}">
-                <a14:hiddenFill xmlns:a14="http://schemas.microsoft.com/office/drawing/2010/main" xmlns="">
+                <a14:hiddenFill xmlns="" xmlns:a14="http://schemas.microsoft.com/office/drawing/2010/main">
                   <a:solidFill>
                     <a:srgbClr val="FFFFFF"/>
                   </a:solidFill>
                 </a14:hiddenFill>
               </a:ext>
               <a:ext uri="{91240B29-F687-4f45-9708-019B960494DF}">
-                <a14:hiddenLine xmlns:a14="http://schemas.microsoft.com/office/drawing/2010/main" xmlns="" w="12700" cap="flat">
+                <a14:hiddenLine xmlns="" xmlns:a14="http://schemas.microsoft.com/office/drawing/2010/main" w="12700" cap="flat">
                   <a:solidFill>
                     <a:schemeClr val="tx1"/>
                   </a:solidFill>
@@ -18242,14 +18185,14 @@
             </a:ln>
             <a:extLst>
               <a:ext uri="{909E8E84-426E-40dd-AFC4-6F175D3DCCD1}">
-                <a14:hiddenFill xmlns:a14="http://schemas.microsoft.com/office/drawing/2010/main" xmlns="">
+                <a14:hiddenFill xmlns="" xmlns:a14="http://schemas.microsoft.com/office/drawing/2010/main">
                   <a:solidFill>
                     <a:srgbClr val="FFFFFF"/>
                   </a:solidFill>
                 </a14:hiddenFill>
               </a:ext>
               <a:ext uri="{91240B29-F687-4f45-9708-019B960494DF}">
-                <a14:hiddenLine xmlns:a14="http://schemas.microsoft.com/office/drawing/2010/main" xmlns="" w="12700" cap="flat">
+                <a14:hiddenLine xmlns="" xmlns:a14="http://schemas.microsoft.com/office/drawing/2010/main" w="12700" cap="flat">
                   <a:solidFill>
                     <a:schemeClr val="tx1"/>
                   </a:solidFill>
@@ -18391,14 +18334,14 @@
             </a:ln>
             <a:extLst>
               <a:ext uri="{909E8E84-426E-40dd-AFC4-6F175D3DCCD1}">
-                <a14:hiddenFill xmlns:a14="http://schemas.microsoft.com/office/drawing/2010/main" xmlns="">
+                <a14:hiddenFill xmlns="" xmlns:a14="http://schemas.microsoft.com/office/drawing/2010/main">
                   <a:solidFill>
                     <a:srgbClr val="FFFFFF"/>
                   </a:solidFill>
                 </a14:hiddenFill>
               </a:ext>
               <a:ext uri="{91240B29-F687-4f45-9708-019B960494DF}">
-                <a14:hiddenLine xmlns:a14="http://schemas.microsoft.com/office/drawing/2010/main" xmlns="" w="12700" cap="flat">
+                <a14:hiddenLine xmlns="" xmlns:a14="http://schemas.microsoft.com/office/drawing/2010/main" w="12700" cap="flat">
                   <a:solidFill>
                     <a:schemeClr val="tx1"/>
                   </a:solidFill>
@@ -18523,14 +18466,14 @@
             </a:ln>
             <a:extLst>
               <a:ext uri="{909E8E84-426E-40dd-AFC4-6F175D3DCCD1}">
-                <a14:hiddenFill xmlns:a14="http://schemas.microsoft.com/office/drawing/2010/main" xmlns="">
+                <a14:hiddenFill xmlns="" xmlns:a14="http://schemas.microsoft.com/office/drawing/2010/main">
                   <a:solidFill>
                     <a:srgbClr val="FFFFFF"/>
                   </a:solidFill>
                 </a14:hiddenFill>
               </a:ext>
               <a:ext uri="{91240B29-F687-4f45-9708-019B960494DF}">
-                <a14:hiddenLine xmlns:a14="http://schemas.microsoft.com/office/drawing/2010/main" xmlns="" w="12700" cap="flat">
+                <a14:hiddenLine xmlns="" xmlns:a14="http://schemas.microsoft.com/office/drawing/2010/main" w="12700" cap="flat">
                   <a:solidFill>
                     <a:schemeClr val="tx1"/>
                   </a:solidFill>
@@ -18672,14 +18615,14 @@
             </a:ln>
             <a:extLst>
               <a:ext uri="{909E8E84-426E-40dd-AFC4-6F175D3DCCD1}">
-                <a14:hiddenFill xmlns:a14="http://schemas.microsoft.com/office/drawing/2010/main" xmlns="">
+                <a14:hiddenFill xmlns="" xmlns:a14="http://schemas.microsoft.com/office/drawing/2010/main">
                   <a:solidFill>
                     <a:srgbClr val="FFFFFF"/>
                   </a:solidFill>
                 </a14:hiddenFill>
               </a:ext>
               <a:ext uri="{91240B29-F687-4f45-9708-019B960494DF}">
-                <a14:hiddenLine xmlns:a14="http://schemas.microsoft.com/office/drawing/2010/main" xmlns="" w="12700" cap="flat">
+                <a14:hiddenLine xmlns="" xmlns:a14="http://schemas.microsoft.com/office/drawing/2010/main" w="12700" cap="flat">
                   <a:solidFill>
                     <a:schemeClr val="tx1"/>
                   </a:solidFill>
@@ -18804,14 +18747,14 @@
             </a:ln>
             <a:extLst>
               <a:ext uri="{909E8E84-426E-40dd-AFC4-6F175D3DCCD1}">
-                <a14:hiddenFill xmlns:a14="http://schemas.microsoft.com/office/drawing/2010/main" xmlns="">
+                <a14:hiddenFill xmlns="" xmlns:a14="http://schemas.microsoft.com/office/drawing/2010/main">
                   <a:solidFill>
                     <a:srgbClr val="FFFFFF"/>
                   </a:solidFill>
                 </a14:hiddenFill>
               </a:ext>
               <a:ext uri="{91240B29-F687-4f45-9708-019B960494DF}">
-                <a14:hiddenLine xmlns:a14="http://schemas.microsoft.com/office/drawing/2010/main" xmlns="" w="12700" cap="flat">
+                <a14:hiddenLine xmlns="" xmlns:a14="http://schemas.microsoft.com/office/drawing/2010/main" w="12700" cap="flat">
                   <a:solidFill>
                     <a:schemeClr val="tx1"/>
                   </a:solidFill>
@@ -18953,14 +18896,14 @@
             </a:ln>
             <a:extLst>
               <a:ext uri="{909E8E84-426E-40dd-AFC4-6F175D3DCCD1}">
-                <a14:hiddenFill xmlns:a14="http://schemas.microsoft.com/office/drawing/2010/main" xmlns="">
+                <a14:hiddenFill xmlns="" xmlns:a14="http://schemas.microsoft.com/office/drawing/2010/main">
                   <a:solidFill>
                     <a:srgbClr val="FFFFFF"/>
                   </a:solidFill>
                 </a14:hiddenFill>
               </a:ext>
               <a:ext uri="{91240B29-F687-4f45-9708-019B960494DF}">
-                <a14:hiddenLine xmlns:a14="http://schemas.microsoft.com/office/drawing/2010/main" xmlns="" w="12700" cap="flat">
+                <a14:hiddenLine xmlns="" xmlns:a14="http://schemas.microsoft.com/office/drawing/2010/main" w="12700" cap="flat">
                   <a:solidFill>
                     <a:schemeClr val="tx1"/>
                   </a:solidFill>
@@ -19102,14 +19045,14 @@
             </a:ln>
             <a:extLst>
               <a:ext uri="{909E8E84-426E-40dd-AFC4-6F175D3DCCD1}">
-                <a14:hiddenFill xmlns:a14="http://schemas.microsoft.com/office/drawing/2010/main" xmlns="">
+                <a14:hiddenFill xmlns="" xmlns:a14="http://schemas.microsoft.com/office/drawing/2010/main">
                   <a:solidFill>
                     <a:srgbClr val="FFFFFF"/>
                   </a:solidFill>
                 </a14:hiddenFill>
               </a:ext>
               <a:ext uri="{91240B29-F687-4f45-9708-019B960494DF}">
-                <a14:hiddenLine xmlns:a14="http://schemas.microsoft.com/office/drawing/2010/main" xmlns="" w="12700" cap="flat">
+                <a14:hiddenLine xmlns="" xmlns:a14="http://schemas.microsoft.com/office/drawing/2010/main" w="12700" cap="flat">
                   <a:solidFill>
                     <a:schemeClr val="tx1"/>
                   </a:solidFill>
@@ -19251,14 +19194,14 @@
             </a:ln>
             <a:extLst>
               <a:ext uri="{909E8E84-426E-40dd-AFC4-6F175D3DCCD1}">
-                <a14:hiddenFill xmlns:a14="http://schemas.microsoft.com/office/drawing/2010/main" xmlns="">
+                <a14:hiddenFill xmlns="" xmlns:a14="http://schemas.microsoft.com/office/drawing/2010/main">
                   <a:solidFill>
                     <a:srgbClr val="FFFFFF"/>
                   </a:solidFill>
                 </a14:hiddenFill>
               </a:ext>
               <a:ext uri="{91240B29-F687-4f45-9708-019B960494DF}">
-                <a14:hiddenLine xmlns:a14="http://schemas.microsoft.com/office/drawing/2010/main" xmlns="" w="12700" cap="flat">
+                <a14:hiddenLine xmlns="" xmlns:a14="http://schemas.microsoft.com/office/drawing/2010/main" w="12700" cap="flat">
                   <a:solidFill>
                     <a:schemeClr val="tx1"/>
                   </a:solidFill>
@@ -19452,7 +19395,7 @@
           <a:effectLst/>
           <a:extLst>
             <a:ext uri="{AF507438-7753-43e0-B8FC-AC1667EBCBE1}">
-              <a14:hiddenEffects xmlns:a14="http://schemas.microsoft.com/office/drawing/2010/main" xmlns="">
+              <a14:hiddenEffects xmlns="" xmlns:a14="http://schemas.microsoft.com/office/drawing/2010/main">
                 <a:effectLst>
                   <a:outerShdw blurRad="63500" dist="38099" dir="2700000" algn="ctr" rotWithShape="0">
                     <a:schemeClr val="bg2">
@@ -19537,7 +19480,7 @@
           <a:effectLst/>
           <a:extLst>
             <a:ext uri="{AF507438-7753-43e0-B8FC-AC1667EBCBE1}">
-              <a14:hiddenEffects xmlns:a14="http://schemas.microsoft.com/office/drawing/2010/main" xmlns="">
+              <a14:hiddenEffects xmlns="" xmlns:a14="http://schemas.microsoft.com/office/drawing/2010/main">
                 <a:effectLst>
                   <a:outerShdw blurRad="63500" dist="38099" dir="2700000" algn="ctr" rotWithShape="0">
                     <a:schemeClr val="bg2">
@@ -19644,7 +19587,7 @@
           <a:effectLst/>
           <a:extLst>
             <a:ext uri="{AF507438-7753-43e0-B8FC-AC1667EBCBE1}">
-              <a14:hiddenEffects xmlns:a14="http://schemas.microsoft.com/office/drawing/2010/main" xmlns="">
+              <a14:hiddenEffects xmlns="" xmlns:a14="http://schemas.microsoft.com/office/drawing/2010/main">
                 <a:effectLst>
                   <a:outerShdw blurRad="63500" dist="38099" dir="2700000" algn="ctr" rotWithShape="0">
                     <a:schemeClr val="bg2">
@@ -19729,7 +19672,7 @@
           <a:effectLst/>
           <a:extLst>
             <a:ext uri="{AF507438-7753-43e0-B8FC-AC1667EBCBE1}">
-              <a14:hiddenEffects xmlns:a14="http://schemas.microsoft.com/office/drawing/2010/main" xmlns="">
+              <a14:hiddenEffects xmlns="" xmlns:a14="http://schemas.microsoft.com/office/drawing/2010/main">
                 <a:effectLst>
                   <a:outerShdw blurRad="63500" dist="38099" dir="2700000" algn="ctr" rotWithShape="0">
                     <a:schemeClr val="bg2">
@@ -19814,7 +19757,7 @@
           <a:effectLst/>
           <a:extLst>
             <a:ext uri="{AF507438-7753-43e0-B8FC-AC1667EBCBE1}">
-              <a14:hiddenEffects xmlns:a14="http://schemas.microsoft.com/office/drawing/2010/main" xmlns="">
+              <a14:hiddenEffects xmlns="" xmlns:a14="http://schemas.microsoft.com/office/drawing/2010/main">
                 <a:effectLst>
                   <a:outerShdw blurRad="63500" dist="38099" dir="2700000" algn="ctr" rotWithShape="0">
                     <a:schemeClr val="bg2">
@@ -19899,7 +19842,7 @@
           <a:effectLst/>
           <a:extLst>
             <a:ext uri="{AF507438-7753-43e0-B8FC-AC1667EBCBE1}">
-              <a14:hiddenEffects xmlns:a14="http://schemas.microsoft.com/office/drawing/2010/main" xmlns="">
+              <a14:hiddenEffects xmlns="" xmlns:a14="http://schemas.microsoft.com/office/drawing/2010/main">
                 <a:effectLst>
                   <a:outerShdw blurRad="63500" dist="38099" dir="2700000" algn="ctr" rotWithShape="0">
                     <a:schemeClr val="bg2">
@@ -19984,7 +19927,7 @@
           <a:effectLst/>
           <a:extLst>
             <a:ext uri="{AF507438-7753-43e0-B8FC-AC1667EBCBE1}">
-              <a14:hiddenEffects xmlns:a14="http://schemas.microsoft.com/office/drawing/2010/main" xmlns="">
+              <a14:hiddenEffects xmlns="" xmlns:a14="http://schemas.microsoft.com/office/drawing/2010/main">
                 <a:effectLst>
                   <a:outerShdw blurRad="63500" dist="38099" dir="2700000" algn="ctr" rotWithShape="0">
                     <a:schemeClr val="bg2">
@@ -20069,7 +20012,7 @@
           <a:effectLst/>
           <a:extLst>
             <a:ext uri="{AF507438-7753-43e0-B8FC-AC1667EBCBE1}">
-              <a14:hiddenEffects xmlns:a14="http://schemas.microsoft.com/office/drawing/2010/main" xmlns="">
+              <a14:hiddenEffects xmlns="" xmlns:a14="http://schemas.microsoft.com/office/drawing/2010/main">
                 <a:effectLst>
                   <a:outerShdw blurRad="63500" dist="38099" dir="2700000" algn="ctr" rotWithShape="0">
                     <a:schemeClr val="bg2">
@@ -20290,7 +20233,7 @@
           <a:effectLst/>
           <a:extLst>
             <a:ext uri="{AF507438-7753-43e0-B8FC-AC1667EBCBE1}">
-              <a14:hiddenEffects xmlns:a14="http://schemas.microsoft.com/office/drawing/2010/main" xmlns="">
+              <a14:hiddenEffects xmlns="" xmlns:a14="http://schemas.microsoft.com/office/drawing/2010/main">
                 <a:effectLst>
                   <a:outerShdw blurRad="63500" dist="38099" dir="2700000" algn="ctr" rotWithShape="0">
                     <a:schemeClr val="bg2">
@@ -20332,7 +20275,7 @@
           <a:effectLst/>
           <a:extLst>
             <a:ext uri="{AF507438-7753-43e0-B8FC-AC1667EBCBE1}">
-              <a14:hiddenEffects xmlns:a14="http://schemas.microsoft.com/office/drawing/2010/main" xmlns="">
+              <a14:hiddenEffects xmlns="" xmlns:a14="http://schemas.microsoft.com/office/drawing/2010/main">
                 <a:effectLst>
                   <a:outerShdw blurRad="63500" dist="38099" dir="2700000" algn="ctr" rotWithShape="0">
                     <a:schemeClr val="bg2">
@@ -20374,7 +20317,7 @@
           <a:effectLst/>
           <a:extLst>
             <a:ext uri="{AF507438-7753-43e0-B8FC-AC1667EBCBE1}">
-              <a14:hiddenEffects xmlns:a14="http://schemas.microsoft.com/office/drawing/2010/main" xmlns="">
+              <a14:hiddenEffects xmlns="" xmlns:a14="http://schemas.microsoft.com/office/drawing/2010/main">
                 <a:effectLst>
                   <a:outerShdw blurRad="63500" dist="38099" dir="2700000" algn="ctr" rotWithShape="0">
                     <a:schemeClr val="bg2">
@@ -20423,7 +20366,7 @@
           <a:effectLst/>
           <a:extLst>
             <a:ext uri="{AF507438-7753-43e0-B8FC-AC1667EBCBE1}">
-              <a14:hiddenEffects xmlns:a14="http://schemas.microsoft.com/office/drawing/2010/main" xmlns="">
+              <a14:hiddenEffects xmlns="" xmlns:a14="http://schemas.microsoft.com/office/drawing/2010/main">
                 <a:effectLst>
                   <a:outerShdw blurRad="63500" dist="38099" dir="2700000" algn="ctr" rotWithShape="0">
                     <a:schemeClr val="bg2">
@@ -20472,7 +20415,7 @@
           <a:effectLst/>
           <a:extLst>
             <a:ext uri="{AF507438-7753-43e0-B8FC-AC1667EBCBE1}">
-              <a14:hiddenEffects xmlns:a14="http://schemas.microsoft.com/office/drawing/2010/main" xmlns="">
+              <a14:hiddenEffects xmlns="" xmlns:a14="http://schemas.microsoft.com/office/drawing/2010/main">
                 <a:effectLst>
                   <a:outerShdw blurRad="63500" dist="38099" dir="2700000" algn="ctr" rotWithShape="0">
                     <a:schemeClr val="bg2">
@@ -20514,7 +20457,7 @@
           <a:effectLst/>
           <a:extLst>
             <a:ext uri="{AF507438-7753-43e0-B8FC-AC1667EBCBE1}">
-              <a14:hiddenEffects xmlns:a14="http://schemas.microsoft.com/office/drawing/2010/main" xmlns="">
+              <a14:hiddenEffects xmlns="" xmlns:a14="http://schemas.microsoft.com/office/drawing/2010/main">
                 <a:effectLst>
                   <a:outerShdw blurRad="63500" dist="38099" dir="2700000" algn="ctr" rotWithShape="0">
                     <a:schemeClr val="bg2">
@@ -20640,7 +20583,7 @@
           <a:effectLst/>
           <a:extLst>
             <a:ext uri="{AF507438-7753-43e0-B8FC-AC1667EBCBE1}">
-              <a14:hiddenEffects xmlns:a14="http://schemas.microsoft.com/office/drawing/2010/main" xmlns="">
+              <a14:hiddenEffects xmlns="" xmlns:a14="http://schemas.microsoft.com/office/drawing/2010/main">
                 <a:effectLst>
                   <a:outerShdw blurRad="63500" dist="38099" dir="2700000" algn="ctr" rotWithShape="0">
                     <a:schemeClr val="bg2">
@@ -20689,7 +20632,7 @@
           <a:effectLst/>
           <a:extLst>
             <a:ext uri="{AF507438-7753-43e0-B8FC-AC1667EBCBE1}">
-              <a14:hiddenEffects xmlns:a14="http://schemas.microsoft.com/office/drawing/2010/main" xmlns="">
+              <a14:hiddenEffects xmlns="" xmlns:a14="http://schemas.microsoft.com/office/drawing/2010/main">
                 <a:effectLst>
                   <a:outerShdw blurRad="63500" dist="38099" dir="2700000" algn="ctr" rotWithShape="0">
                     <a:schemeClr val="bg2">
@@ -20731,7 +20674,7 @@
           <a:effectLst/>
           <a:extLst>
             <a:ext uri="{AF507438-7753-43e0-B8FC-AC1667EBCBE1}">
-              <a14:hiddenEffects xmlns:a14="http://schemas.microsoft.com/office/drawing/2010/main" xmlns="">
+              <a14:hiddenEffects xmlns="" xmlns:a14="http://schemas.microsoft.com/office/drawing/2010/main">
                 <a:effectLst>
                   <a:outerShdw blurRad="63500" dist="38099" dir="2700000" algn="ctr" rotWithShape="0">
                     <a:schemeClr val="bg2">
@@ -20821,7 +20764,7 @@
           <a:effectLst/>
           <a:extLst>
             <a:ext uri="{AF507438-7753-43e0-B8FC-AC1667EBCBE1}">
-              <a14:hiddenEffects xmlns:a14="http://schemas.microsoft.com/office/drawing/2010/main" xmlns="">
+              <a14:hiddenEffects xmlns="" xmlns:a14="http://schemas.microsoft.com/office/drawing/2010/main">
                 <a:effectLst>
                   <a:outerShdw blurRad="63500" dist="38099" dir="2700000" algn="ctr" rotWithShape="0">
                     <a:schemeClr val="bg2">
